--- a/The Roped.pptx
+++ b/The Roped.pptx
@@ -6,11 +6,12 @@
   </p:sldMasterIdLst>
   <p:sldIdLst>
     <p:sldId id="256" r:id="rId2"/>
-    <p:sldId id="257" r:id="rId3"/>
-    <p:sldId id="258" r:id="rId4"/>
-    <p:sldId id="261" r:id="rId5"/>
-    <p:sldId id="259" r:id="rId6"/>
-    <p:sldId id="260" r:id="rId7"/>
+    <p:sldId id="262" r:id="rId3"/>
+    <p:sldId id="257" r:id="rId4"/>
+    <p:sldId id="258" r:id="rId5"/>
+    <p:sldId id="261" r:id="rId6"/>
+    <p:sldId id="259" r:id="rId7"/>
+    <p:sldId id="260" r:id="rId8"/>
   </p:sldIdLst>
   <p:sldSz cx="12192000" cy="6858000"/>
   <p:notesSz cx="6858000" cy="9144000"/>
@@ -109,6 +110,11 @@
       </a:defRPr>
     </a:lvl9pPr>
   </p:defaultTextStyle>
+  <p:extLst>
+    <p:ext uri="{EFAFB233-063F-42B5-8137-9DF3F51BA10A}">
+      <p15:sldGuideLst xmlns:p15="http://schemas.microsoft.com/office/powerpoint/2012/main"/>
+    </p:ext>
+  </p:extLst>
 </p:presentation>
 </file>
 
@@ -342,7 +348,7 @@
             <a:fld id="{B61BEF0D-F0BB-DE4B-95CE-6DB70DBA9567}" type="datetimeFigureOut">
               <a:rPr lang="en-US" dirty="0"/>
               <a:pPr/>
-              <a:t>1/23/2022</a:t>
+              <a:t>1/26/2022</a:t>
             </a:fld>
             <a:endParaRPr lang="en-US" dirty="0"/>
           </a:p>
@@ -673,7 +679,7 @@
             <a:fld id="{B61BEF0D-F0BB-DE4B-95CE-6DB70DBA9567}" type="datetimeFigureOut">
               <a:rPr lang="en-US" dirty="0"/>
               <a:pPr/>
-              <a:t>1/23/2022</a:t>
+              <a:t>1/26/2022</a:t>
             </a:fld>
             <a:endParaRPr lang="en-US" dirty="0"/>
           </a:p>
@@ -948,7 +954,7 @@
             <a:fld id="{B61BEF0D-F0BB-DE4B-95CE-6DB70DBA9567}" type="datetimeFigureOut">
               <a:rPr lang="en-US" dirty="0"/>
               <a:pPr/>
-              <a:t>1/23/2022</a:t>
+              <a:t>1/26/2022</a:t>
             </a:fld>
             <a:endParaRPr lang="en-US" dirty="0"/>
           </a:p>
@@ -1513,7 +1519,7 @@
             <a:fld id="{B61BEF0D-F0BB-DE4B-95CE-6DB70DBA9567}" type="datetimeFigureOut">
               <a:rPr lang="en-US" dirty="0"/>
               <a:pPr/>
-              <a:t>1/23/2022</a:t>
+              <a:t>1/26/2022</a:t>
             </a:fld>
             <a:endParaRPr lang="en-US" dirty="0"/>
           </a:p>
@@ -1788,7 +1794,7 @@
             <a:fld id="{B61BEF0D-F0BB-DE4B-95CE-6DB70DBA9567}" type="datetimeFigureOut">
               <a:rPr lang="en-US" dirty="0"/>
               <a:pPr/>
-              <a:t>1/23/2022</a:t>
+              <a:t>1/26/2022</a:t>
             </a:fld>
             <a:endParaRPr lang="en-US" dirty="0"/>
           </a:p>
@@ -2347,7 +2353,7 @@
             <a:fld id="{B61BEF0D-F0BB-DE4B-95CE-6DB70DBA9567}" type="datetimeFigureOut">
               <a:rPr lang="en-US" dirty="0"/>
               <a:pPr/>
-              <a:t>1/23/2022</a:t>
+              <a:t>1/26/2022</a:t>
             </a:fld>
             <a:endParaRPr lang="en-US" dirty="0"/>
           </a:p>
@@ -2671,7 +2677,7 @@
             <a:fld id="{B61BEF0D-F0BB-DE4B-95CE-6DB70DBA9567}" type="datetimeFigureOut">
               <a:rPr lang="en-US" dirty="0"/>
               <a:pPr/>
-              <a:t>1/23/2022</a:t>
+              <a:t>1/26/2022</a:t>
             </a:fld>
             <a:endParaRPr lang="en-US" dirty="0"/>
           </a:p>
@@ -2873,7 +2879,7 @@
             <a:fld id="{B61BEF0D-F0BB-DE4B-95CE-6DB70DBA9567}" type="datetimeFigureOut">
               <a:rPr lang="en-US" dirty="0"/>
               <a:pPr/>
-              <a:t>1/23/2022</a:t>
+              <a:t>1/26/2022</a:t>
             </a:fld>
             <a:endParaRPr lang="en-US" dirty="0"/>
           </a:p>
@@ -3080,7 +3086,7 @@
             <a:fld id="{B61BEF0D-F0BB-DE4B-95CE-6DB70DBA9567}" type="datetimeFigureOut">
               <a:rPr lang="en-US" dirty="0"/>
               <a:pPr/>
-              <a:t>1/23/2022</a:t>
+              <a:t>1/26/2022</a:t>
             </a:fld>
             <a:endParaRPr lang="en-US" dirty="0"/>
           </a:p>
@@ -3277,7 +3283,7 @@
             <a:fld id="{B61BEF0D-F0BB-DE4B-95CE-6DB70DBA9567}" type="datetimeFigureOut">
               <a:rPr lang="en-US" dirty="0"/>
               <a:pPr/>
-              <a:t>1/23/2022</a:t>
+              <a:t>1/26/2022</a:t>
             </a:fld>
             <a:endParaRPr lang="en-US" dirty="0"/>
           </a:p>
@@ -3550,7 +3556,7 @@
             <a:fld id="{B61BEF0D-F0BB-DE4B-95CE-6DB70DBA9567}" type="datetimeFigureOut">
               <a:rPr lang="en-US" dirty="0"/>
               <a:pPr/>
-              <a:t>1/23/2022</a:t>
+              <a:t>1/26/2022</a:t>
             </a:fld>
             <a:endParaRPr lang="en-US" dirty="0"/>
           </a:p>
@@ -3813,7 +3819,7 @@
             <a:fld id="{B61BEF0D-F0BB-DE4B-95CE-6DB70DBA9567}" type="datetimeFigureOut">
               <a:rPr lang="en-US" dirty="0"/>
               <a:pPr/>
-              <a:t>1/23/2022</a:t>
+              <a:t>1/26/2022</a:t>
             </a:fld>
             <a:endParaRPr lang="en-US" dirty="0"/>
           </a:p>
@@ -4184,7 +4190,7 @@
             <a:fld id="{B61BEF0D-F0BB-DE4B-95CE-6DB70DBA9567}" type="datetimeFigureOut">
               <a:rPr lang="en-US" dirty="0"/>
               <a:pPr/>
-              <a:t>1/23/2022</a:t>
+              <a:t>1/26/2022</a:t>
             </a:fld>
             <a:endParaRPr lang="en-US" dirty="0"/>
           </a:p>
@@ -4329,7 +4335,7 @@
             <a:fld id="{B61BEF0D-F0BB-DE4B-95CE-6DB70DBA9567}" type="datetimeFigureOut">
               <a:rPr lang="en-US" dirty="0"/>
               <a:pPr/>
-              <a:t>1/23/2022</a:t>
+              <a:t>1/26/2022</a:t>
             </a:fld>
             <a:endParaRPr lang="en-US" dirty="0"/>
           </a:p>
@@ -4451,7 +4457,7 @@
             <a:fld id="{B61BEF0D-F0BB-DE4B-95CE-6DB70DBA9567}" type="datetimeFigureOut">
               <a:rPr lang="en-US" dirty="0"/>
               <a:pPr/>
-              <a:t>1/23/2022</a:t>
+              <a:t>1/26/2022</a:t>
             </a:fld>
             <a:endParaRPr lang="en-US" dirty="0"/>
           </a:p>
@@ -4733,7 +4739,7 @@
             <a:fld id="{B61BEF0D-F0BB-DE4B-95CE-6DB70DBA9567}" type="datetimeFigureOut">
               <a:rPr lang="en-US" dirty="0"/>
               <a:pPr/>
-              <a:t>1/23/2022</a:t>
+              <a:t>1/26/2022</a:t>
             </a:fld>
             <a:endParaRPr lang="en-US" dirty="0"/>
           </a:p>
@@ -5054,7 +5060,7 @@
             <a:fld id="{B61BEF0D-F0BB-DE4B-95CE-6DB70DBA9567}" type="datetimeFigureOut">
               <a:rPr lang="en-US" dirty="0"/>
               <a:pPr/>
-              <a:t>1/23/2022</a:t>
+              <a:t>1/26/2022</a:t>
             </a:fld>
             <a:endParaRPr lang="en-US" dirty="0"/>
           </a:p>
@@ -5265,7 +5271,7 @@
             <a:fld id="{B61BEF0D-F0BB-DE4B-95CE-6DB70DBA9567}" type="datetimeFigureOut">
               <a:rPr lang="en-US" dirty="0"/>
               <a:pPr/>
-              <a:t>1/23/2022</a:t>
+              <a:t>1/26/2022</a:t>
             </a:fld>
             <a:endParaRPr lang="en-US" dirty="0"/>
           </a:p>
@@ -5897,6 +5903,98 @@
             <p:ph type="title"/>
           </p:nvPr>
         </p:nvSpPr>
+        <p:spPr/>
+        <p:txBody>
+          <a:bodyPr/>
+          <a:lstStyle/>
+          <a:p>
+            <a:r>
+              <a:rPr lang="ru-RU" dirty="0" smtClean="0"/>
+              <a:t>Цель создания</a:t>
+            </a:r>
+            <a:endParaRPr lang="ru-RU" dirty="0"/>
+          </a:p>
+        </p:txBody>
+      </p:sp>
+      <p:sp>
+        <p:nvSpPr>
+          <p:cNvPr id="3" name="Объект 2"/>
+          <p:cNvSpPr>
+            <a:spLocks noGrp="1"/>
+          </p:cNvSpPr>
+          <p:nvPr>
+            <p:ph idx="1"/>
+          </p:nvPr>
+        </p:nvSpPr>
+        <p:spPr/>
+        <p:txBody>
+          <a:bodyPr/>
+          <a:lstStyle/>
+          <a:p>
+            <a:r>
+              <a:rPr lang="ru-RU" dirty="0" smtClean="0"/>
+              <a:t>Основной целью создания этого проекта было вдохновение играми типа </a:t>
+            </a:r>
+            <a:r>
+              <a:rPr lang="ru-RU" dirty="0" err="1" smtClean="0"/>
+              <a:t>платформер</a:t>
+            </a:r>
+            <a:r>
+              <a:rPr lang="ru-RU" dirty="0" smtClean="0"/>
+              <a:t> и желание создать что-то своё в этом жанре, попутно внедрив свои механики, позволяющие разнообразить </a:t>
+            </a:r>
+            <a:r>
+              <a:rPr lang="ru-RU" dirty="0" err="1" smtClean="0"/>
+              <a:t>геймплей</a:t>
+            </a:r>
+            <a:r>
+              <a:rPr lang="ru-RU" dirty="0" smtClean="0"/>
+              <a:t>.</a:t>
+            </a:r>
+            <a:endParaRPr lang="ru-RU" dirty="0"/>
+          </a:p>
+        </p:txBody>
+      </p:sp>
+    </p:spTree>
+    <p:extLst>
+      <p:ext uri="{BB962C8B-B14F-4D97-AF65-F5344CB8AC3E}">
+        <p14:creationId xmlns:p14="http://schemas.microsoft.com/office/powerpoint/2010/main" val="3202537314"/>
+      </p:ext>
+    </p:extLst>
+  </p:cSld>
+  <p:clrMapOvr>
+    <a:masterClrMapping/>
+  </p:clrMapOvr>
+</p:sld>
+</file>
+
+<file path=ppt/slides/slide3.xml><?xml version="1.0" encoding="utf-8"?>
+<p:sld xmlns:a="http://schemas.openxmlformats.org/drawingml/2006/main" xmlns:r="http://schemas.openxmlformats.org/officeDocument/2006/relationships" xmlns:p="http://schemas.openxmlformats.org/presentationml/2006/main">
+  <p:cSld>
+    <p:spTree>
+      <p:nvGrpSpPr>
+        <p:cNvPr id="1" name=""/>
+        <p:cNvGrpSpPr/>
+        <p:nvPr/>
+      </p:nvGrpSpPr>
+      <p:grpSpPr>
+        <a:xfrm>
+          <a:off x="0" y="0"/>
+          <a:ext cx="0" cy="0"/>
+          <a:chOff x="0" y="0"/>
+          <a:chExt cx="0" cy="0"/>
+        </a:xfrm>
+      </p:grpSpPr>
+      <p:sp>
+        <p:nvSpPr>
+          <p:cNvPr id="2" name="Заголовок 1"/>
+          <p:cNvSpPr>
+            <a:spLocks noGrp="1"/>
+          </p:cNvSpPr>
+          <p:nvPr>
+            <p:ph type="title"/>
+          </p:nvPr>
+        </p:nvSpPr>
         <p:spPr>
           <a:xfrm>
             <a:off x="685801" y="265216"/>
@@ -6028,7 +6126,7 @@
 </p:sld>
 </file>
 
-<file path=ppt/slides/slide3.xml><?xml version="1.0" encoding="utf-8"?>
+<file path=ppt/slides/slide4.xml><?xml version="1.0" encoding="utf-8"?>
 <p:sld xmlns:a="http://schemas.openxmlformats.org/drawingml/2006/main" xmlns:r="http://schemas.openxmlformats.org/officeDocument/2006/relationships" xmlns:p="http://schemas.openxmlformats.org/presentationml/2006/main">
   <p:cSld>
     <p:spTree>
@@ -6166,7 +6264,7 @@
 </p:sld>
 </file>
 
-<file path=ppt/slides/slide4.xml><?xml version="1.0" encoding="utf-8"?>
+<file path=ppt/slides/slide5.xml><?xml version="1.0" encoding="utf-8"?>
 <p:sld xmlns:a="http://schemas.openxmlformats.org/drawingml/2006/main" xmlns:r="http://schemas.openxmlformats.org/officeDocument/2006/relationships" xmlns:p="http://schemas.openxmlformats.org/presentationml/2006/main">
   <p:cSld>
     <p:spTree>
@@ -6341,7 +6439,7 @@
 </p:sld>
 </file>
 
-<file path=ppt/slides/slide5.xml><?xml version="1.0" encoding="utf-8"?>
+<file path=ppt/slides/slide6.xml><?xml version="1.0" encoding="utf-8"?>
 <p:sld xmlns:a="http://schemas.openxmlformats.org/drawingml/2006/main" xmlns:r="http://schemas.openxmlformats.org/officeDocument/2006/relationships" xmlns:p="http://schemas.openxmlformats.org/presentationml/2006/main">
   <p:cSld>
     <p:spTree>
@@ -6473,7 +6571,7 @@
 </p:sld>
 </file>
 
-<file path=ppt/slides/slide6.xml><?xml version="1.0" encoding="utf-8"?>
+<file path=ppt/slides/slide7.xml><?xml version="1.0" encoding="utf-8"?>
 <p:sld xmlns:a="http://schemas.openxmlformats.org/drawingml/2006/main" xmlns:r="http://schemas.openxmlformats.org/officeDocument/2006/relationships" xmlns:p="http://schemas.openxmlformats.org/presentationml/2006/main">
   <p:cSld>
     <p:spTree>
